--- a/src/QC_Dec_12.pptx
+++ b/src/QC_Dec_12.pptx
@@ -3137,14 +3137,14 @@
                   <a:srgbClr val="0000FF"/>
                 </a:solidFill>
               </a:rPr>
-              <a:t>ADE_train_00019769500 x 375</a:t>
+              <a:t>ADE_train_00000005683 x 512</a:t>
             </a:r>
           </a:p>
         </p:txBody>
       </p:sp>
       <p:pic>
         <p:nvPicPr>
-          <p:cNvPr id="4" name="Picture 3" descr="ADE_train_00019769.jpg"/>
+          <p:cNvPr id="4" name="Picture 3" descr="ADE_train_00000005.jpg"/>
           <p:cNvPicPr>
             <a:picLocks noChangeAspect="1"/>
           </p:cNvPicPr>
@@ -3159,7 +3159,7 @@
         <p:spPr>
           <a:xfrm>
             <a:off x="182880" y="182880"/>
-            <a:ext cx="2926080" cy="2194500"/>
+            <a:ext cx="2926080" cy="2193408"/>
           </a:xfrm>
           <a:prstGeom prst="rect">
             <a:avLst/>
@@ -3195,14 +3195,14 @@
                   <a:srgbClr val="0000FF"/>
                 </a:solidFill>
               </a:rPr>
-              <a:t>ADE_train_00019309400 x 268</a:t>
+              <a:t>ADE_train_00007617340 x 510</a:t>
             </a:r>
           </a:p>
         </p:txBody>
       </p:sp>
       <p:pic>
         <p:nvPicPr>
-          <p:cNvPr id="6" name="Picture 5" descr="ADE_train_00019309.jpg"/>
+          <p:cNvPr id="6" name="Picture 5" descr="ADE_train_00007617.jpg"/>
           <p:cNvPicPr>
             <a:picLocks noChangeAspect="1"/>
           </p:cNvPicPr>
@@ -3217,7 +3217,7 @@
         <p:spPr>
           <a:xfrm>
             <a:off x="5029200" y="182880"/>
-            <a:ext cx="2926080" cy="1960420"/>
+            <a:ext cx="1950580" cy="2926080"/>
           </a:xfrm>
           <a:prstGeom prst="rect">
             <a:avLst/>
@@ -3311,14 +3311,14 @@
                   <a:srgbClr val="0000FF"/>
                 </a:solidFill>
               </a:rPr>
-              <a:t>ADE_train_00017618768 x 512</a:t>
+              <a:t>ADE_train_00018243683 x 512</a:t>
             </a:r>
           </a:p>
         </p:txBody>
       </p:sp>
       <p:pic>
         <p:nvPicPr>
-          <p:cNvPr id="10" name="Picture 9" descr="ADE_train_00017618.jpg"/>
+          <p:cNvPr id="10" name="Picture 9" descr="ADE_train_00018243.jpg"/>
           <p:cNvPicPr>
             <a:picLocks noChangeAspect="1"/>
           </p:cNvPicPr>
@@ -3333,7 +3333,7 @@
         <p:spPr>
           <a:xfrm>
             <a:off x="5029200" y="3200400"/>
-            <a:ext cx="2926080" cy="1950720"/>
+            <a:ext cx="2926080" cy="2193408"/>
           </a:xfrm>
           <a:prstGeom prst="rect">
             <a:avLst/>
@@ -3404,14 +3404,14 @@
                   <a:srgbClr val="0000FF"/>
                 </a:solidFill>
               </a:rPr>
-              <a:t>ADE_train_00019769500 x 375</a:t>
+              <a:t>ADE_train_00000005683 x 512</a:t>
             </a:r>
           </a:p>
         </p:txBody>
       </p:sp>
       <p:pic>
         <p:nvPicPr>
-          <p:cNvPr id="4" name="Picture 3" descr="ADE_train_00019769.png"/>
+          <p:cNvPr id="4" name="Picture 3" descr="ADE_train_00000005.png"/>
           <p:cNvPicPr>
             <a:picLocks noChangeAspect="1"/>
           </p:cNvPicPr>
@@ -3426,7 +3426,7 @@
         <p:spPr>
           <a:xfrm>
             <a:off x="182880" y="182880"/>
-            <a:ext cx="2926080" cy="2194500"/>
+            <a:ext cx="2926080" cy="2193408"/>
           </a:xfrm>
           <a:prstGeom prst="rect">
             <a:avLst/>
@@ -3462,14 +3462,14 @@
                   <a:srgbClr val="0000FF"/>
                 </a:solidFill>
               </a:rPr>
-              <a:t>ADE_train_00019309400 x 268</a:t>
+              <a:t>ADE_train_00007617340 x 510</a:t>
             </a:r>
           </a:p>
         </p:txBody>
       </p:sp>
       <p:pic>
         <p:nvPicPr>
-          <p:cNvPr id="6" name="Picture 5" descr="ADE_train_00019309.png"/>
+          <p:cNvPr id="6" name="Picture 5" descr="ADE_train_00007617.png"/>
           <p:cNvPicPr>
             <a:picLocks noChangeAspect="1"/>
           </p:cNvPicPr>
@@ -3484,7 +3484,7 @@
         <p:spPr>
           <a:xfrm>
             <a:off x="5029200" y="182880"/>
-            <a:ext cx="2926080" cy="1960420"/>
+            <a:ext cx="1950580" cy="2926080"/>
           </a:xfrm>
           <a:prstGeom prst="rect">
             <a:avLst/>
@@ -3578,14 +3578,14 @@
                   <a:srgbClr val="0000FF"/>
                 </a:solidFill>
               </a:rPr>
-              <a:t>ADE_train_00017618768 x 512</a:t>
+              <a:t>ADE_train_00018243683 x 512</a:t>
             </a:r>
           </a:p>
         </p:txBody>
       </p:sp>
       <p:pic>
         <p:nvPicPr>
-          <p:cNvPr id="10" name="Picture 9" descr="ADE_train_00017618.png"/>
+          <p:cNvPr id="10" name="Picture 9" descr="ADE_train_00018243.png"/>
           <p:cNvPicPr>
             <a:picLocks noChangeAspect="1"/>
           </p:cNvPicPr>
@@ -3600,7 +3600,7 @@
         <p:spPr>
           <a:xfrm>
             <a:off x="5029200" y="3200400"/>
-            <a:ext cx="2926080" cy="1950720"/>
+            <a:ext cx="2926080" cy="2193408"/>
           </a:xfrm>
           <a:prstGeom prst="rect">
             <a:avLst/>
@@ -3671,14 +3671,14 @@
                   <a:srgbClr val="0000FF"/>
                 </a:solidFill>
               </a:rPr>
-              <a:t>ADE_train_00013533800 x 512</a:t>
+              <a:t>ADE_train_00011772355 x 237</a:t>
             </a:r>
           </a:p>
         </p:txBody>
       </p:sp>
       <p:pic>
         <p:nvPicPr>
-          <p:cNvPr id="4" name="Picture 3" descr="ADE_train_00013533.jpg"/>
+          <p:cNvPr id="4" name="Picture 3" descr="ADE_train_00011772.jpg"/>
           <p:cNvPicPr>
             <a:picLocks noChangeAspect="1"/>
           </p:cNvPicPr>
@@ -3693,7 +3693,7 @@
         <p:spPr>
           <a:xfrm>
             <a:off x="182880" y="182880"/>
-            <a:ext cx="2926080" cy="1872384"/>
+            <a:ext cx="2926080" cy="1953354"/>
           </a:xfrm>
           <a:prstGeom prst="rect">
             <a:avLst/>
@@ -3729,14 +3729,14 @@
                   <a:srgbClr val="0000FF"/>
                 </a:solidFill>
               </a:rPr>
-              <a:t>ADE_train_00013484480 x 360</a:t>
+              <a:t>ADE_train_00013582256 x 256</a:t>
             </a:r>
           </a:p>
         </p:txBody>
       </p:sp>
       <p:pic>
         <p:nvPicPr>
-          <p:cNvPr id="6" name="Picture 5" descr="ADE_train_00013484.jpg"/>
+          <p:cNvPr id="6" name="Picture 5" descr="ADE_train_00013582.jpg"/>
           <p:cNvPicPr>
             <a:picLocks noChangeAspect="1"/>
           </p:cNvPicPr>
@@ -3751,7 +3751,7 @@
         <p:spPr>
           <a:xfrm>
             <a:off x="5029200" y="182880"/>
-            <a:ext cx="2926080" cy="2194560"/>
+            <a:ext cx="2926080" cy="2926080"/>
           </a:xfrm>
           <a:prstGeom prst="rect">
             <a:avLst/>
@@ -3787,14 +3787,14 @@
                   <a:srgbClr val="0000FF"/>
                 </a:solidFill>
               </a:rPr>
-              <a:t>ADE_train_00006496256 x 256</a:t>
+              <a:t>ADE_train_00016924768 x 512</a:t>
             </a:r>
           </a:p>
         </p:txBody>
       </p:sp>
       <p:pic>
         <p:nvPicPr>
-          <p:cNvPr id="8" name="Picture 7" descr="ADE_train_00006496.jpg"/>
+          <p:cNvPr id="8" name="Picture 7" descr="ADE_train_00016924.jpg"/>
           <p:cNvPicPr>
             <a:picLocks noChangeAspect="1"/>
           </p:cNvPicPr>
@@ -3809,7 +3809,7 @@
         <p:spPr>
           <a:xfrm>
             <a:off x="182880" y="3200400"/>
-            <a:ext cx="2926080" cy="2926080"/>
+            <a:ext cx="2926080" cy="1950720"/>
           </a:xfrm>
           <a:prstGeom prst="rect">
             <a:avLst/>
@@ -3845,14 +3845,14 @@
                   <a:srgbClr val="0000FF"/>
                 </a:solidFill>
               </a:rPr>
-              <a:t>ADE_train_00012798683 x 512</a:t>
+              <a:t>ADE_train_00009074256 x 256</a:t>
             </a:r>
           </a:p>
         </p:txBody>
       </p:sp>
       <p:pic>
         <p:nvPicPr>
-          <p:cNvPr id="10" name="Picture 9" descr="ADE_train_00012798.jpg"/>
+          <p:cNvPr id="10" name="Picture 9" descr="ADE_train_00009074.jpg"/>
           <p:cNvPicPr>
             <a:picLocks noChangeAspect="1"/>
           </p:cNvPicPr>
@@ -3867,7 +3867,7 @@
         <p:spPr>
           <a:xfrm>
             <a:off x="5029200" y="3200400"/>
-            <a:ext cx="2926080" cy="2193408"/>
+            <a:ext cx="2926080" cy="2926080"/>
           </a:xfrm>
           <a:prstGeom prst="rect">
             <a:avLst/>
@@ -3938,14 +3938,14 @@
                   <a:srgbClr val="0000FF"/>
                 </a:solidFill>
               </a:rPr>
-              <a:t>ADE_train_00013533800 x 512</a:t>
+              <a:t>ADE_train_00011772355 x 237</a:t>
             </a:r>
           </a:p>
         </p:txBody>
       </p:sp>
       <p:pic>
         <p:nvPicPr>
-          <p:cNvPr id="4" name="Picture 3" descr="ADE_train_00013533.png"/>
+          <p:cNvPr id="4" name="Picture 3" descr="ADE_train_00011772.png"/>
           <p:cNvPicPr>
             <a:picLocks noChangeAspect="1"/>
           </p:cNvPicPr>
@@ -3960,7 +3960,7 @@
         <p:spPr>
           <a:xfrm>
             <a:off x="182880" y="182880"/>
-            <a:ext cx="2926080" cy="1872384"/>
+            <a:ext cx="2926080" cy="1953354"/>
           </a:xfrm>
           <a:prstGeom prst="rect">
             <a:avLst/>
@@ -3996,14 +3996,14 @@
                   <a:srgbClr val="0000FF"/>
                 </a:solidFill>
               </a:rPr>
-              <a:t>ADE_train_00013484480 x 360</a:t>
+              <a:t>ADE_train_00013582256 x 256</a:t>
             </a:r>
           </a:p>
         </p:txBody>
       </p:sp>
       <p:pic>
         <p:nvPicPr>
-          <p:cNvPr id="6" name="Picture 5" descr="ADE_train_00013484.png"/>
+          <p:cNvPr id="6" name="Picture 5" descr="ADE_train_00013582.png"/>
           <p:cNvPicPr>
             <a:picLocks noChangeAspect="1"/>
           </p:cNvPicPr>
@@ -4018,7 +4018,7 @@
         <p:spPr>
           <a:xfrm>
             <a:off x="5029200" y="182880"/>
-            <a:ext cx="2926080" cy="2194560"/>
+            <a:ext cx="2926080" cy="2926080"/>
           </a:xfrm>
           <a:prstGeom prst="rect">
             <a:avLst/>
@@ -4054,14 +4054,14 @@
                   <a:srgbClr val="0000FF"/>
                 </a:solidFill>
               </a:rPr>
-              <a:t>ADE_train_00006496256 x 256</a:t>
+              <a:t>ADE_train_00016924768 x 512</a:t>
             </a:r>
           </a:p>
         </p:txBody>
       </p:sp>
       <p:pic>
         <p:nvPicPr>
-          <p:cNvPr id="8" name="Picture 7" descr="ADE_train_00006496.png"/>
+          <p:cNvPr id="8" name="Picture 7" descr="ADE_train_00016924.png"/>
           <p:cNvPicPr>
             <a:picLocks noChangeAspect="1"/>
           </p:cNvPicPr>
@@ -4076,7 +4076,7 @@
         <p:spPr>
           <a:xfrm>
             <a:off x="182880" y="3200400"/>
-            <a:ext cx="2926080" cy="2926080"/>
+            <a:ext cx="2926080" cy="1950720"/>
           </a:xfrm>
           <a:prstGeom prst="rect">
             <a:avLst/>
@@ -4112,14 +4112,14 @@
                   <a:srgbClr val="0000FF"/>
                 </a:solidFill>
               </a:rPr>
-              <a:t>ADE_train_00012798683 x 512</a:t>
+              <a:t>ADE_train_00009074256 x 256</a:t>
             </a:r>
           </a:p>
         </p:txBody>
       </p:sp>
       <p:pic>
         <p:nvPicPr>
-          <p:cNvPr id="10" name="Picture 9" descr="ADE_train_00012798.png"/>
+          <p:cNvPr id="10" name="Picture 9" descr="ADE_train_00009074.png"/>
           <p:cNvPicPr>
             <a:picLocks noChangeAspect="1"/>
           </p:cNvPicPr>
@@ -4134,7 +4134,7 @@
         <p:spPr>
           <a:xfrm>
             <a:off x="5029200" y="3200400"/>
-            <a:ext cx="2926080" cy="2193408"/>
+            <a:ext cx="2926080" cy="2926080"/>
           </a:xfrm>
           <a:prstGeom prst="rect">
             <a:avLst/>
